--- a/99_Administration/4th_DeepLearningStudy_OT.pptx
+++ b/99_Administration/4th_DeepLearningStudy_OT.pptx
@@ -112,6 +112,11 @@
       </a:defRPr>
     </a:lvl9pPr>
   </p:defaultTextStyle>
+  <p:extLst>
+    <p:ext uri="{EFAFB233-063F-42B5-8137-9DF3F51BA10A}">
+      <p15:sldGuideLst xmlns:p15="http://schemas.microsoft.com/office/powerpoint/2012/main"/>
+    </p:ext>
+  </p:extLst>
 </p:presentation>
 </file>
 
@@ -4952,7 +4957,10 @@
             </a:r>
           </a:p>
           <a:p>
-            <a:pPr lvl="1"/>
+            <a:pPr lvl="1">
+              <a:buFont typeface="Wingdings" panose="05000000000000000000" pitchFamily="2" charset="2"/>
+              <a:buChar char="ü"/>
+            </a:pPr>
             <a:r>
               <a:rPr lang="ko-KR" altLang="en-US" sz="1600" dirty="0"/>
               <a:t>저장소에 있는 </a:t>
@@ -4974,7 +4982,10 @@
             </a:r>
           </a:p>
           <a:p>
-            <a:pPr lvl="1"/>
+            <a:pPr lvl="1">
+              <a:buFont typeface="Wingdings" panose="05000000000000000000" pitchFamily="2" charset="2"/>
+              <a:buChar char="ü"/>
+            </a:pPr>
             <a:r>
               <a:rPr lang="en-US" altLang="ko-KR" sz="1600" dirty="0"/>
               <a:t>Repository(</a:t>
@@ -5000,7 +5011,10 @@
             </a:r>
           </a:p>
           <a:p>
-            <a:pPr lvl="1"/>
+            <a:pPr lvl="1">
+              <a:buFont typeface="Wingdings" panose="05000000000000000000" pitchFamily="2" charset="2"/>
+              <a:buChar char="ü"/>
+            </a:pPr>
             <a:r>
               <a:rPr lang="en-US" altLang="ko-KR" sz="1600" dirty="0"/>
               <a:t>Working directory </a:t>
@@ -5026,7 +5040,10 @@
             </a:r>
           </a:p>
           <a:p>
-            <a:pPr lvl="1"/>
+            <a:pPr lvl="1">
+              <a:buFont typeface="Wingdings" panose="05000000000000000000" pitchFamily="2" charset="2"/>
+              <a:buChar char="ü"/>
+            </a:pPr>
             <a:r>
               <a:rPr lang="en-US" altLang="ko-KR" sz="1600" dirty="0"/>
               <a:t>staging area</a:t>
@@ -5052,7 +5069,10 @@
             </a:r>
           </a:p>
           <a:p>
-            <a:pPr lvl="1"/>
+            <a:pPr lvl="1">
+              <a:buFont typeface="Wingdings" panose="05000000000000000000" pitchFamily="2" charset="2"/>
+              <a:buChar char="ü"/>
+            </a:pPr>
             <a:r>
               <a:rPr lang="ko-KR" altLang="en-US" sz="1600" dirty="0"/>
               <a:t>로컬 저장소의 내용을 원격 저장소로 업로드함</a:t>
@@ -5066,7 +5086,10 @@
             </a:r>
           </a:p>
           <a:p>
-            <a:pPr lvl="1"/>
+            <a:pPr lvl="1">
+              <a:buFont typeface="Wingdings" panose="05000000000000000000" pitchFamily="2" charset="2"/>
+              <a:buChar char="ü"/>
+            </a:pPr>
             <a:r>
               <a:rPr lang="ko-KR" altLang="en-US" sz="1600" dirty="0"/>
               <a:t>원격 저장소의 내용을 로컬 저장소로 다운로드함</a:t>

--- a/99_Administration/4th_DeepLearningStudy_OT.pptx
+++ b/99_Administration/4th_DeepLearningStudy_OT.pptx
@@ -3334,53 +3334,6 @@
           <a:chExt cx="0" cy="0"/>
         </a:xfrm>
       </p:grpSpPr>
-      <p:pic>
-        <p:nvPicPr>
-          <p:cNvPr id="7170" name="Picture 2" descr="인공지능이 '마음'을 읽기 시작했다 – Sciencetimes">
-            <a:extLst>
-              <a:ext uri="{FF2B5EF4-FFF2-40B4-BE49-F238E27FC236}">
-                <a16:creationId xmlns:a16="http://schemas.microsoft.com/office/drawing/2014/main" id="{A2A43517-580D-414F-91F6-D690E8B0A28D}"/>
-              </a:ext>
-            </a:extLst>
-          </p:cNvPr>
-          <p:cNvPicPr>
-            <a:picLocks noChangeAspect="1" noChangeArrowheads="1"/>
-          </p:cNvPicPr>
-          <p:nvPr/>
-        </p:nvPicPr>
-        <p:blipFill>
-          <a:blip r:embed="rId2">
-            <a:extLst>
-              <a:ext uri="{28A0092B-C50C-407E-A947-70E740481C1C}">
-                <a14:useLocalDpi xmlns:a14="http://schemas.microsoft.com/office/drawing/2010/main" val="0"/>
-              </a:ext>
-            </a:extLst>
-          </a:blip>
-          <a:srcRect/>
-          <a:stretch>
-            <a:fillRect/>
-          </a:stretch>
-        </p:blipFill>
-        <p:spPr bwMode="auto">
-          <a:xfrm>
-            <a:off x="3477971" y="165683"/>
-            <a:ext cx="5236057" cy="3263317"/>
-          </a:xfrm>
-          <a:prstGeom prst="rect">
-            <a:avLst/>
-          </a:prstGeom>
-          <a:noFill/>
-          <a:extLst>
-            <a:ext uri="{909E8E84-426E-40DD-AFC4-6F175D3DCCD1}">
-              <a14:hiddenFill xmlns:a14="http://schemas.microsoft.com/office/drawing/2010/main">
-                <a:solidFill>
-                  <a:srgbClr val="FFFFFF"/>
-                </a:solidFill>
-              </a14:hiddenFill>
-            </a:ext>
-          </a:extLst>
-        </p:spPr>
-      </p:pic>
       <p:sp>
         <p:nvSpPr>
           <p:cNvPr id="2" name="제목 1">
@@ -3399,7 +3352,7 @@
         </p:nvSpPr>
         <p:spPr>
           <a:xfrm>
-            <a:off x="1524000" y="3140722"/>
+            <a:off x="1524000" y="1345478"/>
             <a:ext cx="9144000" cy="2387600"/>
           </a:xfrm>
         </p:spPr>
@@ -3543,10 +3496,10 @@
       </p:grpSpPr>
       <p:pic>
         <p:nvPicPr>
-          <p:cNvPr id="4" name="그림 3">
-            <a:extLst>
-              <a:ext uri="{FF2B5EF4-FFF2-40B4-BE49-F238E27FC236}">
-                <a16:creationId xmlns:a16="http://schemas.microsoft.com/office/drawing/2014/main" id="{FAF221C9-EF04-450C-B501-76F8F1C84168}"/>
+          <p:cNvPr id="3" name="그림 2">
+            <a:extLst>
+              <a:ext uri="{FF2B5EF4-FFF2-40B4-BE49-F238E27FC236}">
+                <a16:creationId xmlns:a16="http://schemas.microsoft.com/office/drawing/2014/main" id="{7E25F65A-691E-4C98-8681-FE660DC4FC80}"/>
               </a:ext>
             </a:extLst>
           </p:cNvPr>
@@ -3563,8 +3516,8 @@
         </p:blipFill>
         <p:spPr>
           <a:xfrm>
-            <a:off x="0" y="0"/>
-            <a:ext cx="12192000" cy="6858000"/>
+            <a:off x="465939" y="318653"/>
+            <a:ext cx="11260121" cy="6220693"/>
           </a:xfrm>
           <a:prstGeom prst="rect">
             <a:avLst/>
@@ -4623,7 +4576,7 @@
         </p:nvSpPr>
         <p:spPr>
           <a:xfrm>
-            <a:off x="270029" y="187451"/>
+            <a:off x="5041407" y="187451"/>
             <a:ext cx="2109186" cy="759797"/>
           </a:xfrm>
         </p:spPr>
@@ -4944,10 +4897,15 @@
             <p:ph idx="1"/>
           </p:nvPr>
         </p:nvSpPr>
-        <p:spPr/>
+        <p:spPr>
+          <a:xfrm>
+            <a:off x="467140" y="1816100"/>
+            <a:ext cx="5257800" cy="4351338"/>
+          </a:xfrm>
+        </p:spPr>
         <p:txBody>
           <a:bodyPr>
-            <a:normAutofit fontScale="92500" lnSpcReduction="10000"/>
+            <a:normAutofit/>
           </a:bodyPr>
           <a:lstStyle/>
           <a:p>
@@ -5033,6 +4991,199 @@
             </a:r>
             <a:endParaRPr lang="en-US" altLang="ko-KR" sz="1600" dirty="0"/>
           </a:p>
+        </p:txBody>
+      </p:sp>
+      <p:sp>
+        <p:nvSpPr>
+          <p:cNvPr id="4" name="내용 개체 틀 2">
+            <a:extLst>
+              <a:ext uri="{FF2B5EF4-FFF2-40B4-BE49-F238E27FC236}">
+                <a16:creationId xmlns:a16="http://schemas.microsoft.com/office/drawing/2014/main" id="{12C61D29-DD67-4131-8B58-3807C983E196}"/>
+              </a:ext>
+            </a:extLst>
+          </p:cNvPr>
+          <p:cNvSpPr txBox="1">
+            <a:spLocks/>
+          </p:cNvSpPr>
+          <p:nvPr/>
+        </p:nvSpPr>
+        <p:spPr>
+          <a:xfrm>
+            <a:off x="6467062" y="1816652"/>
+            <a:ext cx="5257800" cy="4351338"/>
+          </a:xfrm>
+          <a:prstGeom prst="rect">
+            <a:avLst/>
+          </a:prstGeom>
+        </p:spPr>
+        <p:txBody>
+          <a:bodyPr vert="horz" lIns="91440" tIns="45720" rIns="91440" bIns="45720" rtlCol="0">
+            <a:normAutofit/>
+          </a:bodyPr>
+          <a:lstStyle>
+            <a:lvl1pPr marL="228600" indent="-228600" algn="l" defTabSz="914400" rtl="0" eaLnBrk="1" latinLnBrk="1" hangingPunct="1">
+              <a:lnSpc>
+                <a:spcPct val="90000"/>
+              </a:lnSpc>
+              <a:spcBef>
+                <a:spcPts val="1000"/>
+              </a:spcBef>
+              <a:buFont typeface="Arial" panose="020B0604020202020204" pitchFamily="34" charset="0"/>
+              <a:buChar char="•"/>
+              <a:defRPr sz="2800" kern="1200">
+                <a:solidFill>
+                  <a:schemeClr val="tx1"/>
+                </a:solidFill>
+                <a:latin typeface="+mn-lt"/>
+                <a:ea typeface="+mn-ea"/>
+                <a:cs typeface="+mn-cs"/>
+              </a:defRPr>
+            </a:lvl1pPr>
+            <a:lvl2pPr marL="685800" indent="-228600" algn="l" defTabSz="914400" rtl="0" eaLnBrk="1" latinLnBrk="1" hangingPunct="1">
+              <a:lnSpc>
+                <a:spcPct val="90000"/>
+              </a:lnSpc>
+              <a:spcBef>
+                <a:spcPts val="500"/>
+              </a:spcBef>
+              <a:buFont typeface="Arial" panose="020B0604020202020204" pitchFamily="34" charset="0"/>
+              <a:buChar char="•"/>
+              <a:defRPr sz="2400" kern="1200">
+                <a:solidFill>
+                  <a:schemeClr val="tx1"/>
+                </a:solidFill>
+                <a:latin typeface="+mn-lt"/>
+                <a:ea typeface="+mn-ea"/>
+                <a:cs typeface="+mn-cs"/>
+              </a:defRPr>
+            </a:lvl2pPr>
+            <a:lvl3pPr marL="1143000" indent="-228600" algn="l" defTabSz="914400" rtl="0" eaLnBrk="1" latinLnBrk="1" hangingPunct="1">
+              <a:lnSpc>
+                <a:spcPct val="90000"/>
+              </a:lnSpc>
+              <a:spcBef>
+                <a:spcPts val="500"/>
+              </a:spcBef>
+              <a:buFont typeface="Arial" panose="020B0604020202020204" pitchFamily="34" charset="0"/>
+              <a:buChar char="•"/>
+              <a:defRPr sz="2000" kern="1200">
+                <a:solidFill>
+                  <a:schemeClr val="tx1"/>
+                </a:solidFill>
+                <a:latin typeface="+mn-lt"/>
+                <a:ea typeface="+mn-ea"/>
+                <a:cs typeface="+mn-cs"/>
+              </a:defRPr>
+            </a:lvl3pPr>
+            <a:lvl4pPr marL="1600200" indent="-228600" algn="l" defTabSz="914400" rtl="0" eaLnBrk="1" latinLnBrk="1" hangingPunct="1">
+              <a:lnSpc>
+                <a:spcPct val="90000"/>
+              </a:lnSpc>
+              <a:spcBef>
+                <a:spcPts val="500"/>
+              </a:spcBef>
+              <a:buFont typeface="Arial" panose="020B0604020202020204" pitchFamily="34" charset="0"/>
+              <a:buChar char="•"/>
+              <a:defRPr sz="1800" kern="1200">
+                <a:solidFill>
+                  <a:schemeClr val="tx1"/>
+                </a:solidFill>
+                <a:latin typeface="+mn-lt"/>
+                <a:ea typeface="+mn-ea"/>
+                <a:cs typeface="+mn-cs"/>
+              </a:defRPr>
+            </a:lvl4pPr>
+            <a:lvl5pPr marL="2057400" indent="-228600" algn="l" defTabSz="914400" rtl="0" eaLnBrk="1" latinLnBrk="1" hangingPunct="1">
+              <a:lnSpc>
+                <a:spcPct val="90000"/>
+              </a:lnSpc>
+              <a:spcBef>
+                <a:spcPts val="500"/>
+              </a:spcBef>
+              <a:buFont typeface="Arial" panose="020B0604020202020204" pitchFamily="34" charset="0"/>
+              <a:buChar char="•"/>
+              <a:defRPr sz="1800" kern="1200">
+                <a:solidFill>
+                  <a:schemeClr val="tx1"/>
+                </a:solidFill>
+                <a:latin typeface="+mn-lt"/>
+                <a:ea typeface="+mn-ea"/>
+                <a:cs typeface="+mn-cs"/>
+              </a:defRPr>
+            </a:lvl5pPr>
+            <a:lvl6pPr marL="2514600" indent="-228600" algn="l" defTabSz="914400" rtl="0" eaLnBrk="1" latinLnBrk="1" hangingPunct="1">
+              <a:lnSpc>
+                <a:spcPct val="90000"/>
+              </a:lnSpc>
+              <a:spcBef>
+                <a:spcPts val="500"/>
+              </a:spcBef>
+              <a:buFont typeface="Arial" panose="020B0604020202020204" pitchFamily="34" charset="0"/>
+              <a:buChar char="•"/>
+              <a:defRPr sz="1800" kern="1200">
+                <a:solidFill>
+                  <a:schemeClr val="tx1"/>
+                </a:solidFill>
+                <a:latin typeface="+mn-lt"/>
+                <a:ea typeface="+mn-ea"/>
+                <a:cs typeface="+mn-cs"/>
+              </a:defRPr>
+            </a:lvl6pPr>
+            <a:lvl7pPr marL="2971800" indent="-228600" algn="l" defTabSz="914400" rtl="0" eaLnBrk="1" latinLnBrk="1" hangingPunct="1">
+              <a:lnSpc>
+                <a:spcPct val="90000"/>
+              </a:lnSpc>
+              <a:spcBef>
+                <a:spcPts val="500"/>
+              </a:spcBef>
+              <a:buFont typeface="Arial" panose="020B0604020202020204" pitchFamily="34" charset="0"/>
+              <a:buChar char="•"/>
+              <a:defRPr sz="1800" kern="1200">
+                <a:solidFill>
+                  <a:schemeClr val="tx1"/>
+                </a:solidFill>
+                <a:latin typeface="+mn-lt"/>
+                <a:ea typeface="+mn-ea"/>
+                <a:cs typeface="+mn-cs"/>
+              </a:defRPr>
+            </a:lvl7pPr>
+            <a:lvl8pPr marL="3429000" indent="-228600" algn="l" defTabSz="914400" rtl="0" eaLnBrk="1" latinLnBrk="1" hangingPunct="1">
+              <a:lnSpc>
+                <a:spcPct val="90000"/>
+              </a:lnSpc>
+              <a:spcBef>
+                <a:spcPts val="500"/>
+              </a:spcBef>
+              <a:buFont typeface="Arial" panose="020B0604020202020204" pitchFamily="34" charset="0"/>
+              <a:buChar char="•"/>
+              <a:defRPr sz="1800" kern="1200">
+                <a:solidFill>
+                  <a:schemeClr val="tx1"/>
+                </a:solidFill>
+                <a:latin typeface="+mn-lt"/>
+                <a:ea typeface="+mn-ea"/>
+                <a:cs typeface="+mn-cs"/>
+              </a:defRPr>
+            </a:lvl8pPr>
+            <a:lvl9pPr marL="3886200" indent="-228600" algn="l" defTabSz="914400" rtl="0" eaLnBrk="1" latinLnBrk="1" hangingPunct="1">
+              <a:lnSpc>
+                <a:spcPct val="90000"/>
+              </a:lnSpc>
+              <a:spcBef>
+                <a:spcPts val="500"/>
+              </a:spcBef>
+              <a:buFont typeface="Arial" panose="020B0604020202020204" pitchFamily="34" charset="0"/>
+              <a:buChar char="•"/>
+              <a:defRPr sz="1800" kern="1200">
+                <a:solidFill>
+                  <a:schemeClr val="tx1"/>
+                </a:solidFill>
+                <a:latin typeface="+mn-lt"/>
+                <a:ea typeface="+mn-ea"/>
+                <a:cs typeface="+mn-cs"/>
+              </a:defRPr>
+            </a:lvl9pPr>
+          </a:lstStyle>
           <a:p>
             <a:r>
               <a:rPr lang="en-US" altLang="ko-KR" dirty="0"/>
